--- a/ppt/RTシステム構築実習.pptx
+++ b/ppt/RTシステム構築実習.pptx
@@ -1230,7 +1230,7 @@
           <a:lstStyle/>
           <a:p>
             <a:pPr eaLnBrk="1" hangingPunct="1"/>
-            <a:endParaRPr lang="ja-JP" altLang="ja-JP">
+            <a:endParaRPr lang="ja-JP" altLang="ja-JP" dirty="0">
               <a:latin typeface="Arial" panose="020B0604020202020204" pitchFamily="34" charset="0"/>
             </a:endParaRPr>
           </a:p>
@@ -1708,57 +1708,9 @@
           <a:lstStyle/>
           <a:p>
             <a:pPr eaLnBrk="1" hangingPunct="1"/>
-            <a:r>
-              <a:rPr lang="en-US" altLang="ja-JP">
-                <a:latin typeface="Arial" panose="020B0604020202020204" pitchFamily="34" charset="0"/>
-              </a:rPr>
-              <a:t>At first, I’d like to mention about RT.</a:t>
-            </a:r>
-          </a:p>
-          <a:p>
-            <a:pPr eaLnBrk="1" hangingPunct="1"/>
-            <a:r>
-              <a:rPr lang="en-US" altLang="ja-JP">
-                <a:latin typeface="Arial" panose="020B0604020202020204" pitchFamily="34" charset="0"/>
-              </a:rPr>
-              <a:t>What is RT?</a:t>
-            </a:r>
-          </a:p>
-          <a:p>
-            <a:pPr eaLnBrk="1" hangingPunct="1"/>
-            <a:r>
-              <a:rPr lang="en-US" altLang="ja-JP">
-                <a:latin typeface="Arial" panose="020B0604020202020204" pitchFamily="34" charset="0"/>
-              </a:rPr>
-              <a:t>RT means Robot Technology.</a:t>
-            </a:r>
-          </a:p>
-          <a:p>
-            <a:pPr eaLnBrk="1" hangingPunct="1"/>
-            <a:r>
-              <a:rPr lang="en-US" altLang="ja-JP">
-                <a:latin typeface="Arial" panose="020B0604020202020204" pitchFamily="34" charset="0"/>
-              </a:rPr>
-              <a:t>This is not only standalone robots like this, but also robotic elements, sensors, actuators and so on.</a:t>
-            </a:r>
-          </a:p>
-          <a:p>
-            <a:pPr eaLnBrk="1" hangingPunct="1"/>
-            <a:r>
-              <a:rPr lang="en-US" altLang="ja-JP">
-                <a:latin typeface="Arial" panose="020B0604020202020204" pitchFamily="34" charset="0"/>
-              </a:rPr>
-              <a:t>We have studied on RT-Middleware.</a:t>
-            </a:r>
-          </a:p>
-          <a:p>
-            <a:pPr eaLnBrk="1" hangingPunct="1"/>
-            <a:r>
-              <a:rPr lang="en-US" altLang="ja-JP">
-                <a:latin typeface="Arial" panose="020B0604020202020204" pitchFamily="34" charset="0"/>
-              </a:rPr>
-              <a:t>RT-Middleware is software platform to integrate these RT-elements. </a:t>
-            </a:r>
+            <a:endParaRPr lang="en-US" altLang="ja-JP" dirty="0">
+              <a:latin typeface="Arial" panose="020B0604020202020204" pitchFamily="34" charset="0"/>
+            </a:endParaRPr>
           </a:p>
         </p:txBody>
       </p:sp>
@@ -2239,57 +2191,9 @@
           <a:lstStyle/>
           <a:p>
             <a:pPr eaLnBrk="1" hangingPunct="1"/>
-            <a:r>
-              <a:rPr lang="en-US" altLang="ja-JP">
-                <a:latin typeface="Arial" panose="020B0604020202020204" pitchFamily="34" charset="0"/>
-              </a:rPr>
-              <a:t>At first, I’d like to mention about RT.</a:t>
-            </a:r>
-          </a:p>
-          <a:p>
-            <a:pPr eaLnBrk="1" hangingPunct="1"/>
-            <a:r>
-              <a:rPr lang="en-US" altLang="ja-JP">
-                <a:latin typeface="Arial" panose="020B0604020202020204" pitchFamily="34" charset="0"/>
-              </a:rPr>
-              <a:t>What is RT?</a:t>
-            </a:r>
-          </a:p>
-          <a:p>
-            <a:pPr eaLnBrk="1" hangingPunct="1"/>
-            <a:r>
-              <a:rPr lang="en-US" altLang="ja-JP">
-                <a:latin typeface="Arial" panose="020B0604020202020204" pitchFamily="34" charset="0"/>
-              </a:rPr>
-              <a:t>RT means Robot Technology.</a:t>
-            </a:r>
-          </a:p>
-          <a:p>
-            <a:pPr eaLnBrk="1" hangingPunct="1"/>
-            <a:r>
-              <a:rPr lang="en-US" altLang="ja-JP">
-                <a:latin typeface="Arial" panose="020B0604020202020204" pitchFamily="34" charset="0"/>
-              </a:rPr>
-              <a:t>This is not only standalone robots like this, but also robotic elements, sensors, actuators and so on.</a:t>
-            </a:r>
-          </a:p>
-          <a:p>
-            <a:pPr eaLnBrk="1" hangingPunct="1"/>
-            <a:r>
-              <a:rPr lang="en-US" altLang="ja-JP">
-                <a:latin typeface="Arial" panose="020B0604020202020204" pitchFamily="34" charset="0"/>
-              </a:rPr>
-              <a:t>We have studied on RT-Middleware.</a:t>
-            </a:r>
-          </a:p>
-          <a:p>
-            <a:pPr eaLnBrk="1" hangingPunct="1"/>
-            <a:r>
-              <a:rPr lang="en-US" altLang="ja-JP">
-                <a:latin typeface="Arial" panose="020B0604020202020204" pitchFamily="34" charset="0"/>
-              </a:rPr>
-              <a:t>RT-Middleware is software platform to integrate these RT-elements. </a:t>
-            </a:r>
+            <a:endParaRPr lang="en-US" altLang="ja-JP" dirty="0">
+              <a:latin typeface="Arial" panose="020B0604020202020204" pitchFamily="34" charset="0"/>
+            </a:endParaRPr>
           </a:p>
         </p:txBody>
       </p:sp>
@@ -2770,57 +2674,9 @@
           <a:lstStyle/>
           <a:p>
             <a:pPr eaLnBrk="1" hangingPunct="1"/>
-            <a:r>
-              <a:rPr lang="en-US" altLang="ja-JP">
-                <a:latin typeface="Arial" panose="020B0604020202020204" pitchFamily="34" charset="0"/>
-              </a:rPr>
-              <a:t>At first, I’d like to mention about RT.</a:t>
-            </a:r>
-          </a:p>
-          <a:p>
-            <a:pPr eaLnBrk="1" hangingPunct="1"/>
-            <a:r>
-              <a:rPr lang="en-US" altLang="ja-JP">
-                <a:latin typeface="Arial" panose="020B0604020202020204" pitchFamily="34" charset="0"/>
-              </a:rPr>
-              <a:t>What is RT?</a:t>
-            </a:r>
-          </a:p>
-          <a:p>
-            <a:pPr eaLnBrk="1" hangingPunct="1"/>
-            <a:r>
-              <a:rPr lang="en-US" altLang="ja-JP">
-                <a:latin typeface="Arial" panose="020B0604020202020204" pitchFamily="34" charset="0"/>
-              </a:rPr>
-              <a:t>RT means Robot Technology.</a:t>
-            </a:r>
-          </a:p>
-          <a:p>
-            <a:pPr eaLnBrk="1" hangingPunct="1"/>
-            <a:r>
-              <a:rPr lang="en-US" altLang="ja-JP">
-                <a:latin typeface="Arial" panose="020B0604020202020204" pitchFamily="34" charset="0"/>
-              </a:rPr>
-              <a:t>This is not only standalone robots like this, but also robotic elements, sensors, actuators and so on.</a:t>
-            </a:r>
-          </a:p>
-          <a:p>
-            <a:pPr eaLnBrk="1" hangingPunct="1"/>
-            <a:r>
-              <a:rPr lang="en-US" altLang="ja-JP">
-                <a:latin typeface="Arial" panose="020B0604020202020204" pitchFamily="34" charset="0"/>
-              </a:rPr>
-              <a:t>We have studied on RT-Middleware.</a:t>
-            </a:r>
-          </a:p>
-          <a:p>
-            <a:pPr eaLnBrk="1" hangingPunct="1"/>
-            <a:r>
-              <a:rPr lang="en-US" altLang="ja-JP">
-                <a:latin typeface="Arial" panose="020B0604020202020204" pitchFamily="34" charset="0"/>
-              </a:rPr>
-              <a:t>RT-Middleware is software platform to integrate these RT-elements. </a:t>
-            </a:r>
+            <a:endParaRPr lang="en-US" altLang="ja-JP" dirty="0">
+              <a:latin typeface="Arial" panose="020B0604020202020204" pitchFamily="34" charset="0"/>
+            </a:endParaRPr>
           </a:p>
         </p:txBody>
       </p:sp>
@@ -3296,57 +3152,9 @@
           <a:lstStyle/>
           <a:p>
             <a:pPr eaLnBrk="1" hangingPunct="1"/>
-            <a:r>
-              <a:rPr lang="en-US" altLang="ja-JP">
-                <a:latin typeface="Arial" panose="020B0604020202020204" pitchFamily="34" charset="0"/>
-              </a:rPr>
-              <a:t>At first, I’d like to mention about RT.</a:t>
-            </a:r>
-          </a:p>
-          <a:p>
-            <a:pPr eaLnBrk="1" hangingPunct="1"/>
-            <a:r>
-              <a:rPr lang="en-US" altLang="ja-JP">
-                <a:latin typeface="Arial" panose="020B0604020202020204" pitchFamily="34" charset="0"/>
-              </a:rPr>
-              <a:t>What is RT?</a:t>
-            </a:r>
-          </a:p>
-          <a:p>
-            <a:pPr eaLnBrk="1" hangingPunct="1"/>
-            <a:r>
-              <a:rPr lang="en-US" altLang="ja-JP">
-                <a:latin typeface="Arial" panose="020B0604020202020204" pitchFamily="34" charset="0"/>
-              </a:rPr>
-              <a:t>RT means Robot Technology.</a:t>
-            </a:r>
-          </a:p>
-          <a:p>
-            <a:pPr eaLnBrk="1" hangingPunct="1"/>
-            <a:r>
-              <a:rPr lang="en-US" altLang="ja-JP">
-                <a:latin typeface="Arial" panose="020B0604020202020204" pitchFamily="34" charset="0"/>
-              </a:rPr>
-              <a:t>This is not only standalone robots like this, but also robotic elements, sensors, actuators and so on.</a:t>
-            </a:r>
-          </a:p>
-          <a:p>
-            <a:pPr eaLnBrk="1" hangingPunct="1"/>
-            <a:r>
-              <a:rPr lang="en-US" altLang="ja-JP">
-                <a:latin typeface="Arial" panose="020B0604020202020204" pitchFamily="34" charset="0"/>
-              </a:rPr>
-              <a:t>We have studied on RT-Middleware.</a:t>
-            </a:r>
-          </a:p>
-          <a:p>
-            <a:pPr eaLnBrk="1" hangingPunct="1"/>
-            <a:r>
-              <a:rPr lang="en-US" altLang="ja-JP">
-                <a:latin typeface="Arial" panose="020B0604020202020204" pitchFamily="34" charset="0"/>
-              </a:rPr>
-              <a:t>RT-Middleware is software platform to integrate these RT-elements. </a:t>
-            </a:r>
+            <a:endParaRPr lang="en-US" altLang="ja-JP" dirty="0">
+              <a:latin typeface="Arial" panose="020B0604020202020204" pitchFamily="34" charset="0"/>
+            </a:endParaRPr>
           </a:p>
         </p:txBody>
       </p:sp>
@@ -3827,57 +3635,9 @@
           <a:lstStyle/>
           <a:p>
             <a:pPr eaLnBrk="1" hangingPunct="1"/>
-            <a:r>
-              <a:rPr lang="en-US" altLang="ja-JP">
-                <a:latin typeface="Arial" panose="020B0604020202020204" pitchFamily="34" charset="0"/>
-              </a:rPr>
-              <a:t>At first, I’d like to mention about RT.</a:t>
-            </a:r>
-          </a:p>
-          <a:p>
-            <a:pPr eaLnBrk="1" hangingPunct="1"/>
-            <a:r>
-              <a:rPr lang="en-US" altLang="ja-JP">
-                <a:latin typeface="Arial" panose="020B0604020202020204" pitchFamily="34" charset="0"/>
-              </a:rPr>
-              <a:t>What is RT?</a:t>
-            </a:r>
-          </a:p>
-          <a:p>
-            <a:pPr eaLnBrk="1" hangingPunct="1"/>
-            <a:r>
-              <a:rPr lang="en-US" altLang="ja-JP">
-                <a:latin typeface="Arial" panose="020B0604020202020204" pitchFamily="34" charset="0"/>
-              </a:rPr>
-              <a:t>RT means Robot Technology.</a:t>
-            </a:r>
-          </a:p>
-          <a:p>
-            <a:pPr eaLnBrk="1" hangingPunct="1"/>
-            <a:r>
-              <a:rPr lang="en-US" altLang="ja-JP">
-                <a:latin typeface="Arial" panose="020B0604020202020204" pitchFamily="34" charset="0"/>
-              </a:rPr>
-              <a:t>This is not only standalone robots like this, but also robotic elements, sensors, actuators and so on.</a:t>
-            </a:r>
-          </a:p>
-          <a:p>
-            <a:pPr eaLnBrk="1" hangingPunct="1"/>
-            <a:r>
-              <a:rPr lang="en-US" altLang="ja-JP">
-                <a:latin typeface="Arial" panose="020B0604020202020204" pitchFamily="34" charset="0"/>
-              </a:rPr>
-              <a:t>We have studied on RT-Middleware.</a:t>
-            </a:r>
-          </a:p>
-          <a:p>
-            <a:pPr eaLnBrk="1" hangingPunct="1"/>
-            <a:r>
-              <a:rPr lang="en-US" altLang="ja-JP">
-                <a:latin typeface="Arial" panose="020B0604020202020204" pitchFamily="34" charset="0"/>
-              </a:rPr>
-              <a:t>RT-Middleware is software platform to integrate these RT-elements. </a:t>
-            </a:r>
+            <a:endParaRPr lang="en-US" altLang="ja-JP" dirty="0">
+              <a:latin typeface="Arial" panose="020B0604020202020204" pitchFamily="34" charset="0"/>
+            </a:endParaRPr>
           </a:p>
         </p:txBody>
       </p:sp>
@@ -4358,57 +4118,9 @@
           <a:lstStyle/>
           <a:p>
             <a:pPr eaLnBrk="1" hangingPunct="1"/>
-            <a:r>
-              <a:rPr lang="en-US" altLang="ja-JP">
-                <a:latin typeface="Arial" panose="020B0604020202020204" pitchFamily="34" charset="0"/>
-              </a:rPr>
-              <a:t>At first, I’d like to mention about RT.</a:t>
-            </a:r>
-          </a:p>
-          <a:p>
-            <a:pPr eaLnBrk="1" hangingPunct="1"/>
-            <a:r>
-              <a:rPr lang="en-US" altLang="ja-JP">
-                <a:latin typeface="Arial" panose="020B0604020202020204" pitchFamily="34" charset="0"/>
-              </a:rPr>
-              <a:t>What is RT?</a:t>
-            </a:r>
-          </a:p>
-          <a:p>
-            <a:pPr eaLnBrk="1" hangingPunct="1"/>
-            <a:r>
-              <a:rPr lang="en-US" altLang="ja-JP">
-                <a:latin typeface="Arial" panose="020B0604020202020204" pitchFamily="34" charset="0"/>
-              </a:rPr>
-              <a:t>RT means Robot Technology.</a:t>
-            </a:r>
-          </a:p>
-          <a:p>
-            <a:pPr eaLnBrk="1" hangingPunct="1"/>
-            <a:r>
-              <a:rPr lang="en-US" altLang="ja-JP">
-                <a:latin typeface="Arial" panose="020B0604020202020204" pitchFamily="34" charset="0"/>
-              </a:rPr>
-              <a:t>This is not only standalone robots like this, but also robotic elements, sensors, actuators and so on.</a:t>
-            </a:r>
-          </a:p>
-          <a:p>
-            <a:pPr eaLnBrk="1" hangingPunct="1"/>
-            <a:r>
-              <a:rPr lang="en-US" altLang="ja-JP">
-                <a:latin typeface="Arial" panose="020B0604020202020204" pitchFamily="34" charset="0"/>
-              </a:rPr>
-              <a:t>We have studied on RT-Middleware.</a:t>
-            </a:r>
-          </a:p>
-          <a:p>
-            <a:pPr eaLnBrk="1" hangingPunct="1"/>
-            <a:r>
-              <a:rPr lang="en-US" altLang="ja-JP">
-                <a:latin typeface="Arial" panose="020B0604020202020204" pitchFamily="34" charset="0"/>
-              </a:rPr>
-              <a:t>RT-Middleware is software platform to integrate these RT-elements. </a:t>
-            </a:r>
+            <a:endParaRPr lang="en-US" altLang="ja-JP" dirty="0">
+              <a:latin typeface="Arial" panose="020B0604020202020204" pitchFamily="34" charset="0"/>
+            </a:endParaRPr>
           </a:p>
         </p:txBody>
       </p:sp>
@@ -4889,57 +4601,9 @@
           <a:lstStyle/>
           <a:p>
             <a:pPr eaLnBrk="1" hangingPunct="1"/>
-            <a:r>
-              <a:rPr lang="en-US" altLang="ja-JP">
-                <a:latin typeface="Arial" panose="020B0604020202020204" pitchFamily="34" charset="0"/>
-              </a:rPr>
-              <a:t>At first, I’d like to mention about RT.</a:t>
-            </a:r>
-          </a:p>
-          <a:p>
-            <a:pPr eaLnBrk="1" hangingPunct="1"/>
-            <a:r>
-              <a:rPr lang="en-US" altLang="ja-JP">
-                <a:latin typeface="Arial" panose="020B0604020202020204" pitchFamily="34" charset="0"/>
-              </a:rPr>
-              <a:t>What is RT?</a:t>
-            </a:r>
-          </a:p>
-          <a:p>
-            <a:pPr eaLnBrk="1" hangingPunct="1"/>
-            <a:r>
-              <a:rPr lang="en-US" altLang="ja-JP">
-                <a:latin typeface="Arial" panose="020B0604020202020204" pitchFamily="34" charset="0"/>
-              </a:rPr>
-              <a:t>RT means Robot Technology.</a:t>
-            </a:r>
-          </a:p>
-          <a:p>
-            <a:pPr eaLnBrk="1" hangingPunct="1"/>
-            <a:r>
-              <a:rPr lang="en-US" altLang="ja-JP">
-                <a:latin typeface="Arial" panose="020B0604020202020204" pitchFamily="34" charset="0"/>
-              </a:rPr>
-              <a:t>This is not only standalone robots like this, but also robotic elements, sensors, actuators and so on.</a:t>
-            </a:r>
-          </a:p>
-          <a:p>
-            <a:pPr eaLnBrk="1" hangingPunct="1"/>
-            <a:r>
-              <a:rPr lang="en-US" altLang="ja-JP">
-                <a:latin typeface="Arial" panose="020B0604020202020204" pitchFamily="34" charset="0"/>
-              </a:rPr>
-              <a:t>We have studied on RT-Middleware.</a:t>
-            </a:r>
-          </a:p>
-          <a:p>
-            <a:pPr eaLnBrk="1" hangingPunct="1"/>
-            <a:r>
-              <a:rPr lang="en-US" altLang="ja-JP">
-                <a:latin typeface="Arial" panose="020B0604020202020204" pitchFamily="34" charset="0"/>
-              </a:rPr>
-              <a:t>RT-Middleware is software platform to integrate these RT-elements. </a:t>
-            </a:r>
+            <a:endParaRPr lang="en-US" altLang="ja-JP" dirty="0">
+              <a:latin typeface="Arial" panose="020B0604020202020204" pitchFamily="34" charset="0"/>
+            </a:endParaRPr>
           </a:p>
         </p:txBody>
       </p:sp>
@@ -5420,57 +5084,9 @@
           <a:lstStyle/>
           <a:p>
             <a:pPr eaLnBrk="1" hangingPunct="1"/>
-            <a:r>
-              <a:rPr lang="en-US" altLang="ja-JP">
-                <a:latin typeface="Arial" panose="020B0604020202020204" pitchFamily="34" charset="0"/>
-              </a:rPr>
-              <a:t>At first, I’d like to mention about RT.</a:t>
-            </a:r>
-          </a:p>
-          <a:p>
-            <a:pPr eaLnBrk="1" hangingPunct="1"/>
-            <a:r>
-              <a:rPr lang="en-US" altLang="ja-JP">
-                <a:latin typeface="Arial" panose="020B0604020202020204" pitchFamily="34" charset="0"/>
-              </a:rPr>
-              <a:t>What is RT?</a:t>
-            </a:r>
-          </a:p>
-          <a:p>
-            <a:pPr eaLnBrk="1" hangingPunct="1"/>
-            <a:r>
-              <a:rPr lang="en-US" altLang="ja-JP">
-                <a:latin typeface="Arial" panose="020B0604020202020204" pitchFamily="34" charset="0"/>
-              </a:rPr>
-              <a:t>RT means Robot Technology.</a:t>
-            </a:r>
-          </a:p>
-          <a:p>
-            <a:pPr eaLnBrk="1" hangingPunct="1"/>
-            <a:r>
-              <a:rPr lang="en-US" altLang="ja-JP">
-                <a:latin typeface="Arial" panose="020B0604020202020204" pitchFamily="34" charset="0"/>
-              </a:rPr>
-              <a:t>This is not only standalone robots like this, but also robotic elements, sensors, actuators and so on.</a:t>
-            </a:r>
-          </a:p>
-          <a:p>
-            <a:pPr eaLnBrk="1" hangingPunct="1"/>
-            <a:r>
-              <a:rPr lang="en-US" altLang="ja-JP">
-                <a:latin typeface="Arial" panose="020B0604020202020204" pitchFamily="34" charset="0"/>
-              </a:rPr>
-              <a:t>We have studied on RT-Middleware.</a:t>
-            </a:r>
-          </a:p>
-          <a:p>
-            <a:pPr eaLnBrk="1" hangingPunct="1"/>
-            <a:r>
-              <a:rPr lang="en-US" altLang="ja-JP">
-                <a:latin typeface="Arial" panose="020B0604020202020204" pitchFamily="34" charset="0"/>
-              </a:rPr>
-              <a:t>RT-Middleware is software platform to integrate these RT-elements. </a:t>
-            </a:r>
+            <a:endParaRPr lang="en-US" altLang="ja-JP" dirty="0">
+              <a:latin typeface="Arial" panose="020B0604020202020204" pitchFamily="34" charset="0"/>
+            </a:endParaRPr>
           </a:p>
         </p:txBody>
       </p:sp>
@@ -5951,57 +5567,9 @@
           <a:lstStyle/>
           <a:p>
             <a:pPr eaLnBrk="1" hangingPunct="1"/>
-            <a:r>
-              <a:rPr lang="en-US" altLang="ja-JP">
-                <a:latin typeface="Arial" panose="020B0604020202020204" pitchFamily="34" charset="0"/>
-              </a:rPr>
-              <a:t>At first, I’d like to mention about RT.</a:t>
-            </a:r>
-          </a:p>
-          <a:p>
-            <a:pPr eaLnBrk="1" hangingPunct="1"/>
-            <a:r>
-              <a:rPr lang="en-US" altLang="ja-JP">
-                <a:latin typeface="Arial" panose="020B0604020202020204" pitchFamily="34" charset="0"/>
-              </a:rPr>
-              <a:t>What is RT?</a:t>
-            </a:r>
-          </a:p>
-          <a:p>
-            <a:pPr eaLnBrk="1" hangingPunct="1"/>
-            <a:r>
-              <a:rPr lang="en-US" altLang="ja-JP">
-                <a:latin typeface="Arial" panose="020B0604020202020204" pitchFamily="34" charset="0"/>
-              </a:rPr>
-              <a:t>RT means Robot Technology.</a:t>
-            </a:r>
-          </a:p>
-          <a:p>
-            <a:pPr eaLnBrk="1" hangingPunct="1"/>
-            <a:r>
-              <a:rPr lang="en-US" altLang="ja-JP">
-                <a:latin typeface="Arial" panose="020B0604020202020204" pitchFamily="34" charset="0"/>
-              </a:rPr>
-              <a:t>This is not only standalone robots like this, but also robotic elements, sensors, actuators and so on.</a:t>
-            </a:r>
-          </a:p>
-          <a:p>
-            <a:pPr eaLnBrk="1" hangingPunct="1"/>
-            <a:r>
-              <a:rPr lang="en-US" altLang="ja-JP">
-                <a:latin typeface="Arial" panose="020B0604020202020204" pitchFamily="34" charset="0"/>
-              </a:rPr>
-              <a:t>We have studied on RT-Middleware.</a:t>
-            </a:r>
-          </a:p>
-          <a:p>
-            <a:pPr eaLnBrk="1" hangingPunct="1"/>
-            <a:r>
-              <a:rPr lang="en-US" altLang="ja-JP">
-                <a:latin typeface="Arial" panose="020B0604020202020204" pitchFamily="34" charset="0"/>
-              </a:rPr>
-              <a:t>RT-Middleware is software platform to integrate these RT-elements. </a:t>
-            </a:r>
+            <a:endParaRPr lang="en-US" altLang="ja-JP" dirty="0">
+              <a:latin typeface="Arial" panose="020B0604020202020204" pitchFamily="34" charset="0"/>
+            </a:endParaRPr>
           </a:p>
         </p:txBody>
       </p:sp>
@@ -8782,7 +8350,7 @@
           <p:nvPr/>
         </p:nvPicPr>
         <p:blipFill>
-          <a:blip r:embed="rId16">
+          <a:blip r:embed="rId15">
             <a:extLst>
               <a:ext uri="{28A0092B-C50C-407E-A947-70E740481C1C}">
                 <a14:useLocalDpi xmlns:a14="http://schemas.microsoft.com/office/drawing/2010/main" val="0"/>
@@ -9077,7 +8645,7 @@
           <p:nvPr/>
         </p:nvPicPr>
         <p:blipFill>
-          <a:blip r:embed="rId17">
+          <a:blip r:embed="rId16">
             <a:extLst>
               <a:ext uri="{28A0092B-C50C-407E-A947-70E740481C1C}">
                 <a14:useLocalDpi xmlns:a14="http://schemas.microsoft.com/office/drawing/2010/main" val="0"/>
@@ -9207,12 +8775,12 @@
           <a:graphicData uri="http://schemas.openxmlformats.org/presentationml/2006/ole">
             <mc:AlternateContent xmlns:mc="http://schemas.openxmlformats.org/markup-compatibility/2006">
               <mc:Choice xmlns:v="urn:schemas-microsoft-com:vml" Requires="v">
-                <p:oleObj spid="_x0000_s1196" name="Corel DESIGNER" r:id="rId18" imgW="2743200" imgH="1536480" progId="Corel DESIGNER.Graphic.10">
+                <p:oleObj name="Corel DESIGNER" r:id="rId17" imgW="2743200" imgH="1536480" progId="Corel DESIGNER.Graphic.10">
                   <p:embed/>
                 </p:oleObj>
               </mc:Choice>
               <mc:Fallback>
-                <p:oleObj name="Corel DESIGNER" r:id="rId18" imgW="2743200" imgH="1536480" progId="Corel DESIGNER.Graphic.10">
+                <p:oleObj name="Corel DESIGNER" r:id="rId17" imgW="2743200" imgH="1536480" progId="Corel DESIGNER.Graphic.10">
                   <p:embed/>
                   <p:pic>
                     <p:nvPicPr>
@@ -9223,7 +8791,7 @@
                       <p:nvPr/>
                     </p:nvPicPr>
                     <p:blipFill>
-                      <a:blip r:embed="rId19">
+                      <a:blip r:embed="rId18">
                         <a:extLst>
                           <a:ext uri="{28A0092B-C50C-407E-A947-70E740481C1C}">
                             <a14:useLocalDpi xmlns:a14="http://schemas.microsoft.com/office/drawing/2010/main" val="0"/>

--- a/ppt/RTシステム構築実習.pptx
+++ b/ppt/RTシステム構築実習.pptx
@@ -8350,7 +8350,7 @@
           <p:nvPr/>
         </p:nvPicPr>
         <p:blipFill>
-          <a:blip r:embed="rId15">
+          <a:blip r:embed="rId16">
             <a:extLst>
               <a:ext uri="{28A0092B-C50C-407E-A947-70E740481C1C}">
                 <a14:useLocalDpi xmlns:a14="http://schemas.microsoft.com/office/drawing/2010/main" val="0"/>
@@ -8645,7 +8645,7 @@
           <p:nvPr/>
         </p:nvPicPr>
         <p:blipFill>
-          <a:blip r:embed="rId16">
+          <a:blip r:embed="rId17">
             <a:extLst>
               <a:ext uri="{28A0092B-C50C-407E-A947-70E740481C1C}">
                 <a14:useLocalDpi xmlns:a14="http://schemas.microsoft.com/office/drawing/2010/main" val="0"/>
@@ -8775,12 +8775,12 @@
           <a:graphicData uri="http://schemas.openxmlformats.org/presentationml/2006/ole">
             <mc:AlternateContent xmlns:mc="http://schemas.openxmlformats.org/markup-compatibility/2006">
               <mc:Choice xmlns:v="urn:schemas-microsoft-com:vml" Requires="v">
-                <p:oleObj name="Corel DESIGNER" r:id="rId17" imgW="2743200" imgH="1536480" progId="Corel DESIGNER.Graphic.10">
+                <p:oleObj spid="_x0000_s1027" name="Corel DESIGNER" r:id="rId18" imgW="2743200" imgH="1536480" progId="Corel DESIGNER.Graphic.10">
                   <p:embed/>
                 </p:oleObj>
               </mc:Choice>
               <mc:Fallback>
-                <p:oleObj name="Corel DESIGNER" r:id="rId17" imgW="2743200" imgH="1536480" progId="Corel DESIGNER.Graphic.10">
+                <p:oleObj name="Corel DESIGNER" r:id="rId18" imgW="2743200" imgH="1536480" progId="Corel DESIGNER.Graphic.10">
                   <p:embed/>
                   <p:pic>
                     <p:nvPicPr>
@@ -8791,7 +8791,7 @@
                       <p:nvPr/>
                     </p:nvPicPr>
                     <p:blipFill>
-                      <a:blip r:embed="rId18">
+                      <a:blip r:embed="rId19">
                         <a:extLst>
                           <a:ext uri="{28A0092B-C50C-407E-A947-70E740481C1C}">
                             <a14:useLocalDpi xmlns:a14="http://schemas.microsoft.com/office/drawing/2010/main" val="0"/>
@@ -10277,6 +10277,36 @@
           </a:prstGeom>
         </p:spPr>
       </p:pic>
+      <p:pic>
+        <p:nvPicPr>
+          <p:cNvPr id="4" name="図 3">
+            <a:extLst>
+              <a:ext uri="{FF2B5EF4-FFF2-40B4-BE49-F238E27FC236}">
+                <a16:creationId xmlns:a16="http://schemas.microsoft.com/office/drawing/2014/main" id="{1A2DC513-A0C5-4353-AD6A-618D6E5B13DC}"/>
+              </a:ext>
+            </a:extLst>
+          </p:cNvPr>
+          <p:cNvPicPr>
+            <a:picLocks noChangeAspect="1"/>
+          </p:cNvPicPr>
+          <p:nvPr/>
+        </p:nvPicPr>
+        <p:blipFill>
+          <a:blip r:embed="rId5"/>
+          <a:stretch>
+            <a:fillRect/>
+          </a:stretch>
+        </p:blipFill>
+        <p:spPr>
+          <a:xfrm>
+            <a:off x="1784797" y="2957315"/>
+            <a:ext cx="446944" cy="423419"/>
+          </a:xfrm>
+          <a:prstGeom prst="rect">
+            <a:avLst/>
+          </a:prstGeom>
+        </p:spPr>
+      </p:pic>
     </p:spTree>
     <p:extLst>
       <p:ext uri="{BB962C8B-B14F-4D97-AF65-F5344CB8AC3E}">
@@ -16785,6 +16815,36 @@
           <a:xfrm>
             <a:off x="6012560" y="4166934"/>
             <a:ext cx="3075374" cy="1949871"/>
+          </a:xfrm>
+          <a:prstGeom prst="rect">
+            <a:avLst/>
+          </a:prstGeom>
+        </p:spPr>
+      </p:pic>
+      <p:pic>
+        <p:nvPicPr>
+          <p:cNvPr id="6" name="図 5">
+            <a:extLst>
+              <a:ext uri="{FF2B5EF4-FFF2-40B4-BE49-F238E27FC236}">
+                <a16:creationId xmlns:a16="http://schemas.microsoft.com/office/drawing/2014/main" id="{0F58C758-6CA4-44F1-B979-A25FD9235A4A}"/>
+              </a:ext>
+            </a:extLst>
+          </p:cNvPr>
+          <p:cNvPicPr>
+            <a:picLocks noChangeAspect="1"/>
+          </p:cNvPicPr>
+          <p:nvPr/>
+        </p:nvPicPr>
+        <p:blipFill>
+          <a:blip r:embed="rId7"/>
+          <a:stretch>
+            <a:fillRect/>
+          </a:stretch>
+        </p:blipFill>
+        <p:spPr>
+          <a:xfrm>
+            <a:off x="1421651" y="5543440"/>
+            <a:ext cx="563556" cy="465548"/>
           </a:xfrm>
           <a:prstGeom prst="rect">
             <a:avLst/>

--- a/ppt/RTシステム構築実習.pptx
+++ b/ppt/RTシステム構築実習.pptx
@@ -8775,7 +8775,7 @@
           <a:graphicData uri="http://schemas.openxmlformats.org/presentationml/2006/ole">
             <mc:AlternateContent xmlns:mc="http://schemas.openxmlformats.org/markup-compatibility/2006">
               <mc:Choice xmlns:v="urn:schemas-microsoft-com:vml" Requires="v">
-                <p:oleObj spid="_x0000_s1027" name="Corel DESIGNER" r:id="rId18" imgW="2743200" imgH="1536480" progId="Corel DESIGNER.Graphic.10">
+                <p:oleObj spid="_x0000_s1028" name="Corel DESIGNER" r:id="rId18" imgW="2743200" imgH="1536480" progId="Corel DESIGNER.Graphic.10">
                   <p:embed/>
                 </p:oleObj>
               </mc:Choice>
@@ -9386,28 +9386,12 @@
               <a:t>CPS</a:t>
             </a:r>
             <a:r>
-              <a:rPr lang="ja-JP" altLang="en-US" sz="2000" dirty="0">
+              <a:rPr lang="ja-JP" altLang="en-US" sz="2000">
                 <a:solidFill>
                   <a:srgbClr val="5F5F5F"/>
                 </a:solidFill>
               </a:rPr>
               <a:t>研究センター</a:t>
-            </a:r>
-            <a:endParaRPr lang="en-US" altLang="ja-JP" sz="2000" dirty="0">
-              <a:solidFill>
-                <a:srgbClr val="5F5F5F"/>
-              </a:solidFill>
-            </a:endParaRPr>
-          </a:p>
-          <a:p>
-            <a:pPr algn="l" eaLnBrk="1" hangingPunct="1"/>
-            <a:r>
-              <a:rPr lang="ja-JP" altLang="en-US" sz="2000">
-                <a:solidFill>
-                  <a:srgbClr val="5F5F5F"/>
-                </a:solidFill>
-              </a:rPr>
-              <a:t>ソフトウェアプラットフォーム研究チーム</a:t>
             </a:r>
             <a:endParaRPr lang="ja-JP" altLang="en-US" sz="2000" dirty="0">
               <a:solidFill>

--- a/ppt/RTシステム構築実習.pptx
+++ b/ppt/RTシステム構築実習.pptx
@@ -8775,7 +8775,7 @@
           <a:graphicData uri="http://schemas.openxmlformats.org/presentationml/2006/ole">
             <mc:AlternateContent xmlns:mc="http://schemas.openxmlformats.org/markup-compatibility/2006">
               <mc:Choice xmlns:v="urn:schemas-microsoft-com:vml" Requires="v">
-                <p:oleObj spid="_x0000_s1028" name="Corel DESIGNER" r:id="rId18" imgW="2743200" imgH="1536480" progId="Corel DESIGNER.Graphic.10">
+                <p:oleObj spid="_x0000_s1029" name="Corel DESIGNER" r:id="rId18" imgW="2743200" imgH="1536480" progId="Corel DESIGNER.Graphic.10">
                   <p:embed/>
                 </p:oleObj>
               </mc:Choice>

--- a/ppt/RTシステム構築実習.pptx
+++ b/ppt/RTシステム構築実習.pptx
@@ -8350,7 +8350,7 @@
           <p:nvPr/>
         </p:nvPicPr>
         <p:blipFill>
-          <a:blip r:embed="rId16">
+          <a:blip r:embed="rId15">
             <a:extLst>
               <a:ext uri="{28A0092B-C50C-407E-A947-70E740481C1C}">
                 <a14:useLocalDpi xmlns:a14="http://schemas.microsoft.com/office/drawing/2010/main" val="0"/>
@@ -8645,7 +8645,7 @@
           <p:nvPr/>
         </p:nvPicPr>
         <p:blipFill>
-          <a:blip r:embed="rId17">
+          <a:blip r:embed="rId16">
             <a:extLst>
               <a:ext uri="{28A0092B-C50C-407E-A947-70E740481C1C}">
                 <a14:useLocalDpi xmlns:a14="http://schemas.microsoft.com/office/drawing/2010/main" val="0"/>
@@ -8775,12 +8775,12 @@
           <a:graphicData uri="http://schemas.openxmlformats.org/presentationml/2006/ole">
             <mc:AlternateContent xmlns:mc="http://schemas.openxmlformats.org/markup-compatibility/2006">
               <mc:Choice xmlns:v="urn:schemas-microsoft-com:vml" Requires="v">
-                <p:oleObj spid="_x0000_s1029" name="Corel DESIGNER" r:id="rId18" imgW="2743200" imgH="1536480" progId="Corel DESIGNER.Graphic.10">
+                <p:oleObj name="Corel DESIGNER" r:id="rId17" imgW="2743200" imgH="1536480" progId="Corel DESIGNER.Graphic.10">
                   <p:embed/>
                 </p:oleObj>
               </mc:Choice>
               <mc:Fallback>
-                <p:oleObj name="Corel DESIGNER" r:id="rId18" imgW="2743200" imgH="1536480" progId="Corel DESIGNER.Graphic.10">
+                <p:oleObj name="Corel DESIGNER" r:id="rId17" imgW="2743200" imgH="1536480" progId="Corel DESIGNER.Graphic.10">
                   <p:embed/>
                   <p:pic>
                     <p:nvPicPr>
@@ -8791,7 +8791,7 @@
                       <p:nvPr/>
                     </p:nvPicPr>
                     <p:blipFill>
-                      <a:blip r:embed="rId19">
+                      <a:blip r:embed="rId18">
                         <a:extLst>
                           <a:ext uri="{28A0092B-C50C-407E-A947-70E740481C1C}">
                             <a14:useLocalDpi xmlns:a14="http://schemas.microsoft.com/office/drawing/2010/main" val="0"/>
@@ -9370,28 +9370,12 @@
           <a:p>
             <a:pPr algn="l" eaLnBrk="1" hangingPunct="1"/>
             <a:r>
-              <a:rPr lang="ja-JP" altLang="en-US" sz="2000" dirty="0">
+              <a:rPr lang="ja-JP" altLang="en-US" sz="2000">
                 <a:solidFill>
                   <a:srgbClr val="5F5F5F"/>
                 </a:solidFill>
               </a:rPr>
-              <a:t>インダストリアル</a:t>
-            </a:r>
-            <a:r>
-              <a:rPr lang="en-US" altLang="ja-JP" sz="2000" dirty="0">
-                <a:solidFill>
-                  <a:srgbClr val="5F5F5F"/>
-                </a:solidFill>
-              </a:rPr>
-              <a:t>CPS</a:t>
-            </a:r>
-            <a:r>
-              <a:rPr lang="ja-JP" altLang="en-US" sz="2000">
-                <a:solidFill>
-                  <a:srgbClr val="5F5F5F"/>
-                </a:solidFill>
-              </a:rPr>
-              <a:t>研究センター</a:t>
+              <a:t>インテリジェントシステム研究部門</a:t>
             </a:r>
             <a:endParaRPr lang="ja-JP" altLang="en-US" sz="2000" dirty="0">
               <a:solidFill>
